--- a/lesson10.pptx
+++ b/lesson10.pptx
@@ -5,7 +5,7 @@
     <p:sldMasterId id="2147483648" r:id="rId1"/>
   </p:sldMasterIdLst>
   <p:notesMasterIdLst>
-    <p:notesMasterId r:id="rId17"/>
+    <p:notesMasterId r:id="rId15"/>
   </p:notesMasterIdLst>
   <p:sldIdLst>
     <p:sldId id="538" r:id="rId2"/>
@@ -15,14 +15,12 @@
     <p:sldId id="551" r:id="rId6"/>
     <p:sldId id="554" r:id="rId7"/>
     <p:sldId id="555" r:id="rId8"/>
-    <p:sldId id="556" r:id="rId9"/>
-    <p:sldId id="557" r:id="rId10"/>
-    <p:sldId id="543" r:id="rId11"/>
-    <p:sldId id="544" r:id="rId12"/>
-    <p:sldId id="558" r:id="rId13"/>
-    <p:sldId id="559" r:id="rId14"/>
-    <p:sldId id="545" r:id="rId15"/>
-    <p:sldId id="560" r:id="rId16"/>
+    <p:sldId id="543" r:id="rId9"/>
+    <p:sldId id="544" r:id="rId10"/>
+    <p:sldId id="558" r:id="rId11"/>
+    <p:sldId id="559" r:id="rId12"/>
+    <p:sldId id="545" r:id="rId13"/>
+    <p:sldId id="560" r:id="rId14"/>
   </p:sldIdLst>
   <p:sldSz cx="12192000" cy="6858000"/>
   <p:notesSz cx="6858000" cy="9144000"/>
@@ -151,6 +149,108 @@
 <file path=ppt/changesInfos/changesInfo1.xml><?xml version="1.0" encoding="utf-8"?>
 <pc:chgInfo xmlns:a="http://schemas.openxmlformats.org/drawingml/2006/main" xmlns:r="http://schemas.openxmlformats.org/officeDocument/2006/relationships" xmlns:ac="http://schemas.microsoft.com/office/drawing/2013/main/command" xmlns:pc="http://schemas.microsoft.com/office/powerpoint/2013/main/command">
   <pc:docChgLst>
+    <pc:chgData name="Anatoliy Kigel" userId="7432c6c4687b0a9c" providerId="LiveId" clId="{C9077403-035B-4156-8FD4-1F07BA9CB988}"/>
+    <pc:docChg chg="undo custSel modSld">
+      <pc:chgData name="Anatoliy Kigel" userId="7432c6c4687b0a9c" providerId="LiveId" clId="{C9077403-035B-4156-8FD4-1F07BA9CB988}" dt="2021-07-20T08:16:23.773" v="88" actId="20577"/>
+      <pc:docMkLst>
+        <pc:docMk/>
+      </pc:docMkLst>
+      <pc:sldChg chg="modSp mod">
+        <pc:chgData name="Anatoliy Kigel" userId="7432c6c4687b0a9c" providerId="LiveId" clId="{C9077403-035B-4156-8FD4-1F07BA9CB988}" dt="2021-07-20T07:47:54.230" v="11" actId="6549"/>
+        <pc:sldMkLst>
+          <pc:docMk/>
+          <pc:sldMk cId="1383931911" sldId="551"/>
+        </pc:sldMkLst>
+        <pc:spChg chg="mod">
+          <ac:chgData name="Anatoliy Kigel" userId="7432c6c4687b0a9c" providerId="LiveId" clId="{C9077403-035B-4156-8FD4-1F07BA9CB988}" dt="2021-07-20T07:47:54.230" v="11" actId="6549"/>
+          <ac:spMkLst>
+            <pc:docMk/>
+            <pc:sldMk cId="1383931911" sldId="551"/>
+            <ac:spMk id="6" creationId="{00000000-0000-0000-0000-000000000000}"/>
+          </ac:spMkLst>
+        </pc:spChg>
+      </pc:sldChg>
+      <pc:sldChg chg="addSp delSp modSp mod">
+        <pc:chgData name="Anatoliy Kigel" userId="7432c6c4687b0a9c" providerId="LiveId" clId="{C9077403-035B-4156-8FD4-1F07BA9CB988}" dt="2021-07-20T08:16:23.773" v="88" actId="20577"/>
+        <pc:sldMkLst>
+          <pc:docMk/>
+          <pc:sldMk cId="3498409918" sldId="555"/>
+        </pc:sldMkLst>
+        <pc:spChg chg="mod">
+          <ac:chgData name="Anatoliy Kigel" userId="7432c6c4687b0a9c" providerId="LiveId" clId="{C9077403-035B-4156-8FD4-1F07BA9CB988}" dt="2021-07-20T08:16:23.773" v="88" actId="20577"/>
+          <ac:spMkLst>
+            <pc:docMk/>
+            <pc:sldMk cId="3498409918" sldId="555"/>
+            <ac:spMk id="6" creationId="{00000000-0000-0000-0000-000000000000}"/>
+          </ac:spMkLst>
+        </pc:spChg>
+        <pc:spChg chg="mod">
+          <ac:chgData name="Anatoliy Kigel" userId="7432c6c4687b0a9c" providerId="LiveId" clId="{C9077403-035B-4156-8FD4-1F07BA9CB988}" dt="2021-07-20T07:48:16.157" v="24" actId="20577"/>
+          <ac:spMkLst>
+            <pc:docMk/>
+            <pc:sldMk cId="3498409918" sldId="555"/>
+            <ac:spMk id="7" creationId="{00000000-0000-0000-0000-000000000000}"/>
+          </ac:spMkLst>
+        </pc:spChg>
+        <pc:picChg chg="del">
+          <ac:chgData name="Anatoliy Kigel" userId="7432c6c4687b0a9c" providerId="LiveId" clId="{C9077403-035B-4156-8FD4-1F07BA9CB988}" dt="2021-07-20T08:16:02.140" v="74" actId="478"/>
+          <ac:picMkLst>
+            <pc:docMk/>
+            <pc:sldMk cId="3498409918" sldId="555"/>
+            <ac:picMk id="2" creationId="{00000000-0000-0000-0000-000000000000}"/>
+          </ac:picMkLst>
+        </pc:picChg>
+        <pc:picChg chg="add mod">
+          <ac:chgData name="Anatoliy Kigel" userId="7432c6c4687b0a9c" providerId="LiveId" clId="{C9077403-035B-4156-8FD4-1F07BA9CB988}" dt="2021-07-20T08:16:16.460" v="83" actId="1036"/>
+          <ac:picMkLst>
+            <pc:docMk/>
+            <pc:sldMk cId="3498409918" sldId="555"/>
+            <ac:picMk id="8" creationId="{0F708713-9A19-4EEA-81C5-237A4874C64A}"/>
+          </ac:picMkLst>
+        </pc:picChg>
+      </pc:sldChg>
+      <pc:sldChg chg="addSp delSp modSp mod">
+        <pc:chgData name="Anatoliy Kigel" userId="7432c6c4687b0a9c" providerId="LiveId" clId="{C9077403-035B-4156-8FD4-1F07BA9CB988}" dt="2021-07-20T08:14:45.580" v="73" actId="1036"/>
+        <pc:sldMkLst>
+          <pc:docMk/>
+          <pc:sldMk cId="2610163172" sldId="560"/>
+        </pc:sldMkLst>
+        <pc:spChg chg="add mod">
+          <ac:chgData name="Anatoliy Kigel" userId="7432c6c4687b0a9c" providerId="LiveId" clId="{C9077403-035B-4156-8FD4-1F07BA9CB988}" dt="2021-07-20T08:14:45.580" v="73" actId="1036"/>
+          <ac:spMkLst>
+            <pc:docMk/>
+            <pc:sldMk cId="2610163172" sldId="560"/>
+            <ac:spMk id="7" creationId="{A099A716-F6FB-4C09-BF4C-BAC1D8DAC788}"/>
+          </ac:spMkLst>
+        </pc:spChg>
+        <pc:spChg chg="mod">
+          <ac:chgData name="Anatoliy Kigel" userId="7432c6c4687b0a9c" providerId="LiveId" clId="{C9077403-035B-4156-8FD4-1F07BA9CB988}" dt="2021-07-20T08:14:44.500" v="70" actId="1036"/>
+          <ac:spMkLst>
+            <pc:docMk/>
+            <pc:sldMk cId="2610163172" sldId="560"/>
+            <ac:spMk id="9" creationId="{00000000-0000-0000-0000-000000000000}"/>
+          </ac:spMkLst>
+        </pc:spChg>
+        <pc:picChg chg="del mod">
+          <ac:chgData name="Anatoliy Kigel" userId="7432c6c4687b0a9c" providerId="LiveId" clId="{C9077403-035B-4156-8FD4-1F07BA9CB988}" dt="2021-07-20T08:14:40.385" v="65" actId="478"/>
+          <ac:picMkLst>
+            <pc:docMk/>
+            <pc:sldMk cId="2610163172" sldId="560"/>
+            <ac:picMk id="4" creationId="{CC82C22F-4970-4812-817F-0C754E1CA20D}"/>
+          </ac:picMkLst>
+        </pc:picChg>
+        <pc:picChg chg="add mod">
+          <ac:chgData name="Anatoliy Kigel" userId="7432c6c4687b0a9c" providerId="LiveId" clId="{C9077403-035B-4156-8FD4-1F07BA9CB988}" dt="2021-07-20T08:14:41.963" v="67" actId="1076"/>
+          <ac:picMkLst>
+            <pc:docMk/>
+            <pc:sldMk cId="2610163172" sldId="560"/>
+            <ac:picMk id="6" creationId="{AEE43F5E-7396-4440-867D-144250AED2B0}"/>
+          </ac:picMkLst>
+        </pc:picChg>
+      </pc:sldChg>
+    </pc:docChg>
+  </pc:docChgLst>
+  <pc:docChgLst>
     <pc:chgData name="Anatoliy Kigel" userId="7432c6c4687b0a9c" providerId="LiveId" clId="{5A31DC9E-EA2F-4894-8F8C-6E2575A707E0}"/>
     <pc:docChg chg="undo custSel modSld">
       <pc:chgData name="Anatoliy Kigel" userId="7432c6c4687b0a9c" providerId="LiveId" clId="{5A31DC9E-EA2F-4894-8F8C-6E2575A707E0}" dt="2021-04-10T17:54:22.422" v="476" actId="1440"/>
@@ -252,108 +352,6 @@
       </pc:sldChg>
     </pc:docChg>
   </pc:docChgLst>
-  <pc:docChgLst>
-    <pc:chgData name="Anatoliy Kigel" userId="7432c6c4687b0a9c" providerId="LiveId" clId="{C9077403-035B-4156-8FD4-1F07BA9CB988}"/>
-    <pc:docChg chg="undo custSel modSld">
-      <pc:chgData name="Anatoliy Kigel" userId="7432c6c4687b0a9c" providerId="LiveId" clId="{C9077403-035B-4156-8FD4-1F07BA9CB988}" dt="2021-07-20T08:16:23.773" v="88" actId="20577"/>
-      <pc:docMkLst>
-        <pc:docMk/>
-      </pc:docMkLst>
-      <pc:sldChg chg="modSp mod">
-        <pc:chgData name="Anatoliy Kigel" userId="7432c6c4687b0a9c" providerId="LiveId" clId="{C9077403-035B-4156-8FD4-1F07BA9CB988}" dt="2021-07-20T07:47:54.230" v="11" actId="6549"/>
-        <pc:sldMkLst>
-          <pc:docMk/>
-          <pc:sldMk cId="1383931911" sldId="551"/>
-        </pc:sldMkLst>
-        <pc:spChg chg="mod">
-          <ac:chgData name="Anatoliy Kigel" userId="7432c6c4687b0a9c" providerId="LiveId" clId="{C9077403-035B-4156-8FD4-1F07BA9CB988}" dt="2021-07-20T07:47:54.230" v="11" actId="6549"/>
-          <ac:spMkLst>
-            <pc:docMk/>
-            <pc:sldMk cId="1383931911" sldId="551"/>
-            <ac:spMk id="6" creationId="{00000000-0000-0000-0000-000000000000}"/>
-          </ac:spMkLst>
-        </pc:spChg>
-      </pc:sldChg>
-      <pc:sldChg chg="addSp delSp modSp mod">
-        <pc:chgData name="Anatoliy Kigel" userId="7432c6c4687b0a9c" providerId="LiveId" clId="{C9077403-035B-4156-8FD4-1F07BA9CB988}" dt="2021-07-20T08:16:23.773" v="88" actId="20577"/>
-        <pc:sldMkLst>
-          <pc:docMk/>
-          <pc:sldMk cId="3498409918" sldId="555"/>
-        </pc:sldMkLst>
-        <pc:spChg chg="mod">
-          <ac:chgData name="Anatoliy Kigel" userId="7432c6c4687b0a9c" providerId="LiveId" clId="{C9077403-035B-4156-8FD4-1F07BA9CB988}" dt="2021-07-20T08:16:23.773" v="88" actId="20577"/>
-          <ac:spMkLst>
-            <pc:docMk/>
-            <pc:sldMk cId="3498409918" sldId="555"/>
-            <ac:spMk id="6" creationId="{00000000-0000-0000-0000-000000000000}"/>
-          </ac:spMkLst>
-        </pc:spChg>
-        <pc:spChg chg="mod">
-          <ac:chgData name="Anatoliy Kigel" userId="7432c6c4687b0a9c" providerId="LiveId" clId="{C9077403-035B-4156-8FD4-1F07BA9CB988}" dt="2021-07-20T07:48:16.157" v="24" actId="20577"/>
-          <ac:spMkLst>
-            <pc:docMk/>
-            <pc:sldMk cId="3498409918" sldId="555"/>
-            <ac:spMk id="7" creationId="{00000000-0000-0000-0000-000000000000}"/>
-          </ac:spMkLst>
-        </pc:spChg>
-        <pc:picChg chg="del">
-          <ac:chgData name="Anatoliy Kigel" userId="7432c6c4687b0a9c" providerId="LiveId" clId="{C9077403-035B-4156-8FD4-1F07BA9CB988}" dt="2021-07-20T08:16:02.140" v="74" actId="478"/>
-          <ac:picMkLst>
-            <pc:docMk/>
-            <pc:sldMk cId="3498409918" sldId="555"/>
-            <ac:picMk id="2" creationId="{00000000-0000-0000-0000-000000000000}"/>
-          </ac:picMkLst>
-        </pc:picChg>
-        <pc:picChg chg="add mod">
-          <ac:chgData name="Anatoliy Kigel" userId="7432c6c4687b0a9c" providerId="LiveId" clId="{C9077403-035B-4156-8FD4-1F07BA9CB988}" dt="2021-07-20T08:16:16.460" v="83" actId="1036"/>
-          <ac:picMkLst>
-            <pc:docMk/>
-            <pc:sldMk cId="3498409918" sldId="555"/>
-            <ac:picMk id="8" creationId="{0F708713-9A19-4EEA-81C5-237A4874C64A}"/>
-          </ac:picMkLst>
-        </pc:picChg>
-      </pc:sldChg>
-      <pc:sldChg chg="addSp delSp modSp mod">
-        <pc:chgData name="Anatoliy Kigel" userId="7432c6c4687b0a9c" providerId="LiveId" clId="{C9077403-035B-4156-8FD4-1F07BA9CB988}" dt="2021-07-20T08:14:45.580" v="73" actId="1036"/>
-        <pc:sldMkLst>
-          <pc:docMk/>
-          <pc:sldMk cId="2610163172" sldId="560"/>
-        </pc:sldMkLst>
-        <pc:spChg chg="add mod">
-          <ac:chgData name="Anatoliy Kigel" userId="7432c6c4687b0a9c" providerId="LiveId" clId="{C9077403-035B-4156-8FD4-1F07BA9CB988}" dt="2021-07-20T08:14:45.580" v="73" actId="1036"/>
-          <ac:spMkLst>
-            <pc:docMk/>
-            <pc:sldMk cId="2610163172" sldId="560"/>
-            <ac:spMk id="7" creationId="{A099A716-F6FB-4C09-BF4C-BAC1D8DAC788}"/>
-          </ac:spMkLst>
-        </pc:spChg>
-        <pc:spChg chg="mod">
-          <ac:chgData name="Anatoliy Kigel" userId="7432c6c4687b0a9c" providerId="LiveId" clId="{C9077403-035B-4156-8FD4-1F07BA9CB988}" dt="2021-07-20T08:14:44.500" v="70" actId="1036"/>
-          <ac:spMkLst>
-            <pc:docMk/>
-            <pc:sldMk cId="2610163172" sldId="560"/>
-            <ac:spMk id="9" creationId="{00000000-0000-0000-0000-000000000000}"/>
-          </ac:spMkLst>
-        </pc:spChg>
-        <pc:picChg chg="del mod">
-          <ac:chgData name="Anatoliy Kigel" userId="7432c6c4687b0a9c" providerId="LiveId" clId="{C9077403-035B-4156-8FD4-1F07BA9CB988}" dt="2021-07-20T08:14:40.385" v="65" actId="478"/>
-          <ac:picMkLst>
-            <pc:docMk/>
-            <pc:sldMk cId="2610163172" sldId="560"/>
-            <ac:picMk id="4" creationId="{CC82C22F-4970-4812-817F-0C754E1CA20D}"/>
-          </ac:picMkLst>
-        </pc:picChg>
-        <pc:picChg chg="add mod">
-          <ac:chgData name="Anatoliy Kigel" userId="7432c6c4687b0a9c" providerId="LiveId" clId="{C9077403-035B-4156-8FD4-1F07BA9CB988}" dt="2021-07-20T08:14:41.963" v="67" actId="1076"/>
-          <ac:picMkLst>
-            <pc:docMk/>
-            <pc:sldMk cId="2610163172" sldId="560"/>
-            <ac:picMk id="6" creationId="{AEE43F5E-7396-4440-867D-144250AED2B0}"/>
-          </ac:picMkLst>
-        </pc:picChg>
-      </pc:sldChg>
-    </pc:docChg>
-  </pc:docChgLst>
 </pc:chgInfo>
 </file>
 
@@ -440,7 +438,7 @@
             <a:fld id="{85522811-C5C6-42D2-A409-F8556720C93F}" type="datetimeFigureOut">
               <a:rPr lang="uk-UA" smtClean="0"/>
               <a:pPr/>
-              <a:t>20.07.2021</a:t>
+              <a:t>23.07.2021</a:t>
             </a:fld>
             <a:endParaRPr lang="uk-UA"/>
           </a:p>
@@ -980,7 +978,7 @@
             <a:fld id="{E6FC6B0D-6115-4D7C-8040-9C8E2349BB6E}" type="datetime1">
               <a:rPr lang="uk-UA" smtClean="0"/>
               <a:pPr/>
-              <a:t>20.07.2021</a:t>
+              <a:t>23.07.2021</a:t>
             </a:fld>
             <a:endParaRPr lang="uk-UA"/>
           </a:p>
@@ -1147,7 +1145,7 @@
             <a:fld id="{996367BA-0A39-4DE2-BFC3-D5290044365E}" type="datetime1">
               <a:rPr lang="uk-UA" smtClean="0"/>
               <a:pPr/>
-              <a:t>20.07.2021</a:t>
+              <a:t>23.07.2021</a:t>
             </a:fld>
             <a:endParaRPr lang="uk-UA"/>
           </a:p>
@@ -1324,7 +1322,7 @@
             <a:fld id="{1BD6A67F-6C29-47DC-AF8A-FDB3C787DF70}" type="datetime1">
               <a:rPr lang="uk-UA" smtClean="0"/>
               <a:pPr/>
-              <a:t>20.07.2021</a:t>
+              <a:t>23.07.2021</a:t>
             </a:fld>
             <a:endParaRPr lang="uk-UA"/>
           </a:p>
@@ -1491,7 +1489,7 @@
             <a:fld id="{1657D9C5-7FF1-434F-B56E-9BAD559744E9}" type="datetime1">
               <a:rPr lang="uk-UA" smtClean="0"/>
               <a:pPr/>
-              <a:t>20.07.2021</a:t>
+              <a:t>23.07.2021</a:t>
             </a:fld>
             <a:endParaRPr lang="uk-UA"/>
           </a:p>
@@ -1734,7 +1732,7 @@
             <a:fld id="{2CEB0FC9-DE63-476B-A1A9-BE934D9049F8}" type="datetime1">
               <a:rPr lang="uk-UA" smtClean="0"/>
               <a:pPr/>
-              <a:t>20.07.2021</a:t>
+              <a:t>23.07.2021</a:t>
             </a:fld>
             <a:endParaRPr lang="uk-UA"/>
           </a:p>
@@ -2019,7 +2017,7 @@
             <a:fld id="{F964460F-86E2-4DF6-9D0F-12F5005CF375}" type="datetime1">
               <a:rPr lang="uk-UA" smtClean="0"/>
               <a:pPr/>
-              <a:t>20.07.2021</a:t>
+              <a:t>23.07.2021</a:t>
             </a:fld>
             <a:endParaRPr lang="uk-UA"/>
           </a:p>
@@ -2438,7 +2436,7 @@
             <a:fld id="{C521715E-DDCD-4267-B0A5-2918B6F6768A}" type="datetime1">
               <a:rPr lang="uk-UA" smtClean="0"/>
               <a:pPr/>
-              <a:t>20.07.2021</a:t>
+              <a:t>23.07.2021</a:t>
             </a:fld>
             <a:endParaRPr lang="uk-UA"/>
           </a:p>
@@ -2553,7 +2551,7 @@
             <a:fld id="{9289842C-EB2D-4EBB-A272-2F6A49D9794D}" type="datetime1">
               <a:rPr lang="uk-UA" smtClean="0"/>
               <a:pPr/>
-              <a:t>20.07.2021</a:t>
+              <a:t>23.07.2021</a:t>
             </a:fld>
             <a:endParaRPr lang="uk-UA"/>
           </a:p>
@@ -2645,7 +2643,7 @@
             <a:fld id="{D036F091-B700-4B52-99AC-85D0FD94D904}" type="datetime1">
               <a:rPr lang="uk-UA" smtClean="0"/>
               <a:pPr/>
-              <a:t>20.07.2021</a:t>
+              <a:t>23.07.2021</a:t>
             </a:fld>
             <a:endParaRPr lang="uk-UA"/>
           </a:p>
@@ -2919,7 +2917,7 @@
             <a:fld id="{B35DFABA-3811-4634-B803-2EAC4CD0063B}" type="datetime1">
               <a:rPr lang="uk-UA" smtClean="0"/>
               <a:pPr/>
-              <a:t>20.07.2021</a:t>
+              <a:t>23.07.2021</a:t>
             </a:fld>
             <a:endParaRPr lang="uk-UA"/>
           </a:p>
@@ -3169,7 +3167,7 @@
             <a:fld id="{8A9EA25E-F88E-463A-A119-D1E55A881002}" type="datetime1">
               <a:rPr lang="uk-UA" smtClean="0"/>
               <a:pPr/>
-              <a:t>20.07.2021</a:t>
+              <a:t>23.07.2021</a:t>
             </a:fld>
             <a:endParaRPr lang="uk-UA"/>
           </a:p>
@@ -3379,7 +3377,7 @@
             <a:fld id="{E708ED03-0080-49A2-B709-7DA4ACB3A1C3}" type="datetime1">
               <a:rPr lang="uk-UA" smtClean="0"/>
               <a:pPr/>
-              <a:t>20.07.2021</a:t>
+              <a:t>23.07.2021</a:t>
             </a:fld>
             <a:endParaRPr lang="uk-UA"/>
           </a:p>
@@ -4083,7 +4081,7 @@
             <a:pPr algn="ctr"/>
             <a:r>
               <a:rPr lang="ru-RU" sz="6000" b="1" dirty="0"/>
-              <a:t>Будет полезным!</a:t>
+              <a:t>К следующему занятию будет полезно почитать о…</a:t>
             </a:r>
             <a:endParaRPr lang="uk-UA" sz="6000" b="1" dirty="0"/>
           </a:p>
@@ -4092,7 +4090,7 @@
     </p:spTree>
     <p:extLst>
       <p:ext uri="{BB962C8B-B14F-4D97-AF65-F5344CB8AC3E}">
-        <p14:creationId xmlns:p14="http://schemas.microsoft.com/office/powerpoint/2010/main" val="433616710"/>
+        <p14:creationId xmlns:p14="http://schemas.microsoft.com/office/powerpoint/2010/main" val="3178893395"/>
       </p:ext>
     </p:extLst>
   </p:cSld>
@@ -4127,8 +4125,8 @@
         </p:nvSpPr>
         <p:spPr>
           <a:xfrm>
-            <a:off x="-1" y="260648"/>
-            <a:ext cx="12192001" cy="923330"/>
+            <a:off x="-1" y="3212976"/>
+            <a:ext cx="12192001" cy="1107996"/>
           </a:xfrm>
           <a:prstGeom prst="rect">
             <a:avLst/>
@@ -4143,24 +4141,24 @@
           <a:p>
             <a:pPr algn="ctr"/>
             <a:r>
-              <a:rPr lang="en-US" sz="5400" b="1" dirty="0"/>
-              <a:t>Intro to Vue.js </a:t>
-            </a:r>
-            <a:r>
-              <a:rPr lang="en-US" sz="5400" b="1" dirty="0">
+              <a:rPr lang="ru-RU" sz="6600" b="1" dirty="0">
                 <a:solidFill>
-                  <a:schemeClr val="accent6">
-                    <a:lumMod val="75000"/>
-                  </a:schemeClr>
+                  <a:srgbClr val="0070C0"/>
                 </a:solidFill>
               </a:rPr>
-              <a:t>v3</a:t>
-            </a:r>
-            <a:endParaRPr lang="ru-RU" sz="5400" b="1" dirty="0">
+              <a:t>Компоненты во </a:t>
+            </a:r>
+            <a:r>
+              <a:rPr lang="en-US" sz="6600" b="1" dirty="0">
+                <a:solidFill>
+                  <a:srgbClr val="00B050"/>
+                </a:solidFill>
+              </a:rPr>
+              <a:t>Vue.js</a:t>
+            </a:r>
+            <a:endParaRPr lang="ru-RU" sz="6600" b="1" dirty="0">
               <a:solidFill>
-                <a:schemeClr val="accent6">
-                  <a:lumMod val="75000"/>
-                </a:schemeClr>
+                <a:srgbClr val="00B050"/>
               </a:solidFill>
             </a:endParaRPr>
           </a:p>
@@ -4168,78 +4166,38 @@
       </p:sp>
       <p:sp>
         <p:nvSpPr>
-          <p:cNvPr id="4" name="Прямоугольник 3"/>
-          <p:cNvSpPr/>
+          <p:cNvPr id="5" name="TextBox 4"/>
+          <p:cNvSpPr txBox="1"/>
           <p:nvPr/>
         </p:nvSpPr>
         <p:spPr>
           <a:xfrm>
-            <a:off x="0" y="5949280"/>
-            <a:ext cx="12192000" cy="523220"/>
+            <a:off x="-1" y="1291407"/>
+            <a:ext cx="12192001" cy="769441"/>
           </a:xfrm>
           <a:prstGeom prst="rect">
             <a:avLst/>
           </a:prstGeom>
+          <a:noFill/>
         </p:spPr>
         <p:txBody>
-          <a:bodyPr wrap="square">
+          <a:bodyPr wrap="square" rtlCol="0">
             <a:spAutoFit/>
           </a:bodyPr>
           <a:lstStyle/>
           <a:p>
             <a:pPr algn="ctr"/>
             <a:r>
-              <a:rPr lang="ru-RU" sz="2800" b="1" dirty="0">
-                <a:hlinkClick r:id="rId2"/>
-              </a:rPr>
-              <a:t>https://www.vuemastery.com/courses/intro-to-vue-3/intro-to-vue3/</a:t>
-            </a:r>
-            <a:endParaRPr lang="ru-RU" sz="2800" b="1" dirty="0"/>
-          </a:p>
-        </p:txBody>
-      </p:sp>
-      <p:pic>
-        <p:nvPicPr>
-          <p:cNvPr id="6" name="Рисунок 5"/>
-          <p:cNvPicPr>
-            <a:picLocks noChangeAspect="1"/>
-          </p:cNvPicPr>
-          <p:nvPr/>
-        </p:nvPicPr>
-        <p:blipFill>
-          <a:blip r:embed="rId3"/>
-          <a:stretch>
-            <a:fillRect/>
-          </a:stretch>
-        </p:blipFill>
-        <p:spPr>
-          <a:xfrm>
-            <a:off x="2183903" y="1435717"/>
-            <a:ext cx="7824192" cy="4153523"/>
-          </a:xfrm>
-          <a:prstGeom prst="rect">
-            <a:avLst/>
-          </a:prstGeom>
-          <a:ln>
-            <a:solidFill>
-              <a:schemeClr val="bg1">
-                <a:lumMod val="85000"/>
-              </a:schemeClr>
-            </a:solidFill>
-          </a:ln>
-          <a:effectLst>
-            <a:outerShdw blurRad="190500" algn="tl" rotWithShape="0">
-              <a:srgbClr val="000000">
-                <a:alpha val="70000"/>
-              </a:srgbClr>
-            </a:outerShdw>
-          </a:effectLst>
-        </p:spPr>
-      </p:pic>
+              <a:rPr lang="ru-RU" sz="4400" b="1" dirty="0"/>
+              <a:t>К следующему занятию…</a:t>
+            </a:r>
+          </a:p>
+        </p:txBody>
+      </p:sp>
     </p:spTree>
     <p:extLst>
       <p:ext uri="{BB962C8B-B14F-4D97-AF65-F5344CB8AC3E}">
-        <p14:creationId xmlns:p14="http://schemas.microsoft.com/office/powerpoint/2010/main" val="430255524"/>
+        <p14:creationId xmlns:p14="http://schemas.microsoft.com/office/powerpoint/2010/main" val="2422372216"/>
       </p:ext>
     </p:extLst>
   </p:cSld>
@@ -4306,190 +4264,6 @@
           <a:p>
             <a:pPr algn="ctr"/>
             <a:r>
-              <a:rPr lang="ru-RU" sz="6000" b="1" dirty="0"/>
-              <a:t>К следующему занятию будет полезно почитать о…</a:t>
-            </a:r>
-            <a:endParaRPr lang="uk-UA" sz="6000" b="1" dirty="0"/>
-          </a:p>
-        </p:txBody>
-      </p:sp>
-    </p:spTree>
-    <p:extLst>
-      <p:ext uri="{BB962C8B-B14F-4D97-AF65-F5344CB8AC3E}">
-        <p14:creationId xmlns:p14="http://schemas.microsoft.com/office/powerpoint/2010/main" val="3178893395"/>
-      </p:ext>
-    </p:extLst>
-  </p:cSld>
-  <p:clrMapOvr>
-    <a:masterClrMapping/>
-  </p:clrMapOvr>
-</p:sld>
-</file>
-
-<file path=ppt/slides/slide13.xml><?xml version="1.0" encoding="utf-8"?>
-<p:sld xmlns:a="http://schemas.openxmlformats.org/drawingml/2006/main" xmlns:r="http://schemas.openxmlformats.org/officeDocument/2006/relationships" xmlns:p="http://schemas.openxmlformats.org/presentationml/2006/main">
-  <p:cSld>
-    <p:spTree>
-      <p:nvGrpSpPr>
-        <p:cNvPr id="1" name=""/>
-        <p:cNvGrpSpPr/>
-        <p:nvPr/>
-      </p:nvGrpSpPr>
-      <p:grpSpPr>
-        <a:xfrm>
-          <a:off x="0" y="0"/>
-          <a:ext cx="0" cy="0"/>
-          <a:chOff x="0" y="0"/>
-          <a:chExt cx="0" cy="0"/>
-        </a:xfrm>
-      </p:grpSpPr>
-      <p:sp>
-        <p:nvSpPr>
-          <p:cNvPr id="3" name="TextBox 2"/>
-          <p:cNvSpPr txBox="1"/>
-          <p:nvPr/>
-        </p:nvSpPr>
-        <p:spPr>
-          <a:xfrm>
-            <a:off x="-1" y="3212976"/>
-            <a:ext cx="12192001" cy="1107996"/>
-          </a:xfrm>
-          <a:prstGeom prst="rect">
-            <a:avLst/>
-          </a:prstGeom>
-          <a:noFill/>
-        </p:spPr>
-        <p:txBody>
-          <a:bodyPr wrap="square" rtlCol="0">
-            <a:spAutoFit/>
-          </a:bodyPr>
-          <a:lstStyle/>
-          <a:p>
-            <a:pPr algn="ctr"/>
-            <a:r>
-              <a:rPr lang="ru-RU" sz="6600" b="1" dirty="0">
-                <a:solidFill>
-                  <a:srgbClr val="0070C0"/>
-                </a:solidFill>
-              </a:rPr>
-              <a:t>Компоненты во </a:t>
-            </a:r>
-            <a:r>
-              <a:rPr lang="en-US" sz="6600" b="1" dirty="0">
-                <a:solidFill>
-                  <a:srgbClr val="00B050"/>
-                </a:solidFill>
-              </a:rPr>
-              <a:t>Vue.js</a:t>
-            </a:r>
-            <a:endParaRPr lang="ru-RU" sz="6600" b="1" dirty="0">
-              <a:solidFill>
-                <a:srgbClr val="00B050"/>
-              </a:solidFill>
-            </a:endParaRPr>
-          </a:p>
-        </p:txBody>
-      </p:sp>
-      <p:sp>
-        <p:nvSpPr>
-          <p:cNvPr id="5" name="TextBox 4"/>
-          <p:cNvSpPr txBox="1"/>
-          <p:nvPr/>
-        </p:nvSpPr>
-        <p:spPr>
-          <a:xfrm>
-            <a:off x="-1" y="1291407"/>
-            <a:ext cx="12192001" cy="769441"/>
-          </a:xfrm>
-          <a:prstGeom prst="rect">
-            <a:avLst/>
-          </a:prstGeom>
-          <a:noFill/>
-        </p:spPr>
-        <p:txBody>
-          <a:bodyPr wrap="square" rtlCol="0">
-            <a:spAutoFit/>
-          </a:bodyPr>
-          <a:lstStyle/>
-          <a:p>
-            <a:pPr algn="ctr"/>
-            <a:r>
-              <a:rPr lang="ru-RU" sz="4400" b="1" dirty="0"/>
-              <a:t>К следующему занятию…</a:t>
-            </a:r>
-          </a:p>
-        </p:txBody>
-      </p:sp>
-    </p:spTree>
-    <p:extLst>
-      <p:ext uri="{BB962C8B-B14F-4D97-AF65-F5344CB8AC3E}">
-        <p14:creationId xmlns:p14="http://schemas.microsoft.com/office/powerpoint/2010/main" val="2422372216"/>
-      </p:ext>
-    </p:extLst>
-  </p:cSld>
-  <p:clrMapOvr>
-    <a:masterClrMapping/>
-  </p:clrMapOvr>
-</p:sld>
-</file>
-
-<file path=ppt/slides/slide14.xml><?xml version="1.0" encoding="utf-8"?>
-<p:sld xmlns:a="http://schemas.openxmlformats.org/drawingml/2006/main" xmlns:r="http://schemas.openxmlformats.org/officeDocument/2006/relationships" xmlns:p="http://schemas.openxmlformats.org/presentationml/2006/main">
-  <p:cSld>
-    <p:spTree>
-      <p:nvGrpSpPr>
-        <p:cNvPr id="1" name=""/>
-        <p:cNvGrpSpPr/>
-        <p:nvPr/>
-      </p:nvGrpSpPr>
-      <p:grpSpPr>
-        <a:xfrm>
-          <a:off x="0" y="0"/>
-          <a:ext cx="0" cy="0"/>
-          <a:chOff x="0" y="0"/>
-          <a:chExt cx="0" cy="0"/>
-        </a:xfrm>
-      </p:grpSpPr>
-      <p:sp>
-        <p:nvSpPr>
-          <p:cNvPr id="5" name="Прямоугольник 4"/>
-          <p:cNvSpPr/>
-          <p:nvPr/>
-        </p:nvSpPr>
-        <p:spPr>
-          <a:xfrm>
-            <a:off x="0" y="0"/>
-            <a:ext cx="12192000" cy="6858000"/>
-          </a:xfrm>
-          <a:prstGeom prst="rect">
-            <a:avLst/>
-          </a:prstGeom>
-          <a:solidFill>
-            <a:srgbClr val="002060"/>
-          </a:solidFill>
-        </p:spPr>
-        <p:style>
-          <a:lnRef idx="2">
-            <a:schemeClr val="accent1">
-              <a:shade val="50000"/>
-            </a:schemeClr>
-          </a:lnRef>
-          <a:fillRef idx="1">
-            <a:schemeClr val="accent1"/>
-          </a:fillRef>
-          <a:effectRef idx="0">
-            <a:schemeClr val="accent1"/>
-          </a:effectRef>
-          <a:fontRef idx="minor">
-            <a:schemeClr val="lt1"/>
-          </a:fontRef>
-        </p:style>
-        <p:txBody>
-          <a:bodyPr rtlCol="0" anchor="ctr"/>
-          <a:lstStyle/>
-          <a:p>
-            <a:pPr algn="ctr"/>
-            <a:r>
               <a:rPr lang="ru-RU" sz="6000" b="1" dirty="0">
                 <a:solidFill>
                   <a:srgbClr val="FFC000"/>
@@ -4521,7 +4295,7 @@
 </p:sld>
 </file>
 
-<file path=ppt/slides/slide15.xml><?xml version="1.0" encoding="utf-8"?>
+<file path=ppt/slides/slide13.xml><?xml version="1.0" encoding="utf-8"?>
 <p:sld xmlns:a="http://schemas.openxmlformats.org/drawingml/2006/main" xmlns:r="http://schemas.openxmlformats.org/officeDocument/2006/relationships" xmlns:p="http://schemas.openxmlformats.org/presentationml/2006/main">
   <p:cSld>
     <p:spTree>
@@ -4596,7 +4370,7 @@
               <a:pPr algn="ctr">
                 <a:defRPr/>
               </a:pPr>
-              <a:t>15</a:t>
+              <a:t>13</a:t>
             </a:fld>
             <a:endParaRPr lang="uk-UA" sz="2400" b="1" dirty="0">
               <a:solidFill>
@@ -5701,11 +5475,7 @@
             <a:pPr algn="ctr"/>
             <a:r>
               <a:rPr lang="ru-RU" sz="6000" b="1" dirty="0"/>
-              <a:t>Немного практики </a:t>
-            </a:r>
-            <a:r>
-              <a:rPr lang="en-US" sz="6000" b="1" dirty="0"/>
-              <a:t>#1</a:t>
+              <a:t>Немного практики</a:t>
             </a:r>
             <a:endParaRPr lang="uk-UA" sz="6000" b="1" dirty="0"/>
           </a:p>
@@ -6001,9 +5771,7 @@
             <a:avLst/>
           </a:prstGeom>
           <a:solidFill>
-            <a:schemeClr val="tx2">
-              <a:lumMod val="75000"/>
-            </a:schemeClr>
+            <a:srgbClr val="002060"/>
           </a:solidFill>
         </p:spPr>
         <p:style>
@@ -6029,11 +5797,7 @@
             <a:pPr algn="ctr"/>
             <a:r>
               <a:rPr lang="ru-RU" sz="6000" b="1" dirty="0"/>
-              <a:t>Немного практики </a:t>
-            </a:r>
-            <a:r>
-              <a:rPr lang="en-US" sz="6000" b="1" dirty="0"/>
-              <a:t>#2</a:t>
+              <a:t>Будет полезным!</a:t>
             </a:r>
             <a:endParaRPr lang="uk-UA" sz="6000" b="1" dirty="0"/>
           </a:p>
@@ -6042,7 +5806,7 @@
     </p:spTree>
     <p:extLst>
       <p:ext uri="{BB962C8B-B14F-4D97-AF65-F5344CB8AC3E}">
-        <p14:creationId xmlns:p14="http://schemas.microsoft.com/office/powerpoint/2010/main" val="2995446334"/>
+        <p14:creationId xmlns:p14="http://schemas.microsoft.com/office/powerpoint/2010/main" val="433616710"/>
       </p:ext>
     </p:extLst>
   </p:cSld>
@@ -6071,84 +5835,14 @@
       </p:grpSpPr>
       <p:sp>
         <p:nvSpPr>
-          <p:cNvPr id="20" name="Номер слайда 36"/>
-          <p:cNvSpPr txBox="1">
-            <a:spLocks/>
-          </p:cNvSpPr>
+          <p:cNvPr id="3" name="TextBox 2"/>
+          <p:cNvSpPr txBox="1"/>
           <p:nvPr/>
         </p:nvSpPr>
         <p:spPr>
           <a:xfrm>
-            <a:off x="11280576" y="6165304"/>
-            <a:ext cx="486054" cy="324036"/>
-          </a:xfrm>
-          <a:prstGeom prst="roundRect">
-            <a:avLst/>
-          </a:prstGeom>
-          <a:ln w="25400" cap="flat" cmpd="sng" algn="ctr">
-            <a:solidFill>
-              <a:schemeClr val="tx2">
-                <a:lumMod val="60000"/>
-                <a:lumOff val="40000"/>
-              </a:schemeClr>
-            </a:solidFill>
-            <a:prstDash val="solid"/>
-          </a:ln>
-        </p:spPr>
-        <p:style>
-          <a:lnRef idx="2">
-            <a:schemeClr val="accent1"/>
-          </a:lnRef>
-          <a:fillRef idx="1">
-            <a:schemeClr val="lt1"/>
-          </a:fillRef>
-          <a:effectRef idx="0">
-            <a:schemeClr val="accent1"/>
-          </a:effectRef>
-          <a:fontRef idx="minor">
-            <a:schemeClr val="dk1"/>
-          </a:fontRef>
-        </p:style>
-        <p:txBody>
-          <a:bodyPr vert="horz" lIns="68580" tIns="34290" rIns="68580" bIns="34290" rtlCol="0" anchor="ctr"/>
-          <a:lstStyle/>
-          <a:p>
-            <a:pPr algn="ctr">
-              <a:defRPr/>
-            </a:pPr>
-            <a:fld id="{6389AA22-90B4-448C-8B6B-C699140D38B9}" type="slidenum">
-              <a:rPr lang="uk-UA" b="1">
-                <a:solidFill>
-                  <a:schemeClr val="bg1">
-                    <a:lumMod val="50000"/>
-                  </a:schemeClr>
-                </a:solidFill>
-              </a:rPr>
-              <a:pPr algn="ctr">
-                <a:defRPr/>
-              </a:pPr>
-              <a:t>9</a:t>
-            </a:fld>
-            <a:endParaRPr lang="uk-UA" b="1" dirty="0">
-              <a:solidFill>
-                <a:schemeClr val="bg1">
-                  <a:lumMod val="50000"/>
-                </a:schemeClr>
-              </a:solidFill>
-            </a:endParaRPr>
-          </a:p>
-        </p:txBody>
-      </p:sp>
-      <p:sp>
-        <p:nvSpPr>
-          <p:cNvPr id="6" name="TextBox 5"/>
-          <p:cNvSpPr txBox="1"/>
-          <p:nvPr/>
-        </p:nvSpPr>
-        <p:spPr>
-          <a:xfrm>
-            <a:off x="0" y="488866"/>
-            <a:ext cx="12191999" cy="707886"/>
+            <a:off x="-1" y="260648"/>
+            <a:ext cx="12192001" cy="923330"/>
           </a:xfrm>
           <a:prstGeom prst="rect">
             <a:avLst/>
@@ -6163,30 +5857,38 @@
           <a:p>
             <a:pPr algn="ctr"/>
             <a:r>
-              <a:rPr lang="en-US" sz="4000" b="1" dirty="0"/>
-              <a:t>TODO </a:t>
-            </a:r>
-            <a:r>
-              <a:rPr lang="ru-RU" sz="4000" b="1" dirty="0"/>
-              <a:t>приложение + </a:t>
-            </a:r>
-            <a:r>
-              <a:rPr lang="en-US" sz="4000" b="1" dirty="0"/>
-              <a:t>Vue.js</a:t>
-            </a:r>
-            <a:endParaRPr lang="ru-RU" sz="4000" b="1" dirty="0"/>
-          </a:p>
-        </p:txBody>
-      </p:sp>
-      <p:sp>
-        <p:nvSpPr>
-          <p:cNvPr id="7" name="Прямоугольник 6"/>
+              <a:rPr lang="en-US" sz="5400" b="1" dirty="0"/>
+              <a:t>Intro to Vue.js </a:t>
+            </a:r>
+            <a:r>
+              <a:rPr lang="en-US" sz="5400" b="1" dirty="0">
+                <a:solidFill>
+                  <a:schemeClr val="accent6">
+                    <a:lumMod val="75000"/>
+                  </a:schemeClr>
+                </a:solidFill>
+              </a:rPr>
+              <a:t>v3</a:t>
+            </a:r>
+            <a:endParaRPr lang="ru-RU" sz="5400" b="1" dirty="0">
+              <a:solidFill>
+                <a:schemeClr val="accent6">
+                  <a:lumMod val="75000"/>
+                </a:schemeClr>
+              </a:solidFill>
+            </a:endParaRPr>
+          </a:p>
+        </p:txBody>
+      </p:sp>
+      <p:sp>
+        <p:nvSpPr>
+          <p:cNvPr id="4" name="Прямоугольник 3"/>
           <p:cNvSpPr/>
           <p:nvPr/>
         </p:nvSpPr>
         <p:spPr>
           <a:xfrm>
-            <a:off x="0" y="5858108"/>
+            <a:off x="0" y="5949280"/>
             <a:ext cx="12192000" cy="523220"/>
           </a:xfrm>
           <a:prstGeom prst="rect">
@@ -6201,97 +5903,43 @@
           <a:p>
             <a:pPr algn="ctr"/>
             <a:r>
-              <a:rPr lang="ru-RU" sz="2800" b="1" dirty="0"/>
-              <a:t>Воспользуйтесь шаблоном</a:t>
-            </a:r>
-            <a:r>
-              <a:rPr lang="en-US" sz="2800" b="1" dirty="0"/>
-              <a:t> </a:t>
-            </a:r>
-            <a:r>
-              <a:rPr lang="ru-RU" sz="2800" b="1" dirty="0"/>
-              <a:t>в </a:t>
-            </a:r>
-            <a:r>
-              <a:rPr lang="ru-RU" sz="2800" b="1" dirty="0" err="1"/>
-              <a:t>репозитории</a:t>
-            </a:r>
-            <a:r>
-              <a:rPr lang="ru-RU" sz="2800" b="1" dirty="0"/>
-              <a:t> занятия </a:t>
-            </a:r>
-            <a:r>
-              <a:rPr lang="en-US" sz="2800" b="1" dirty="0">
-                <a:solidFill>
-                  <a:srgbClr val="0070C0"/>
-                </a:solidFill>
+              <a:rPr lang="ru-RU" sz="2800" b="1" dirty="0">
+                <a:hlinkClick r:id="rId2"/>
               </a:rPr>
-              <a:t>./</a:t>
-            </a:r>
-            <a:r>
-              <a:rPr lang="en-US" sz="2800" b="1" dirty="0" err="1">
-                <a:solidFill>
-                  <a:srgbClr val="0070C0"/>
-                </a:solidFill>
-              </a:rPr>
-              <a:t>src</a:t>
-            </a:r>
-            <a:r>
-              <a:rPr lang="en-US" sz="2800" b="1" dirty="0">
-                <a:solidFill>
-                  <a:srgbClr val="0070C0"/>
-                </a:solidFill>
-              </a:rPr>
-              <a:t>/</a:t>
-            </a:r>
-            <a:r>
-              <a:rPr lang="en-US" sz="2800" b="1" dirty="0" err="1">
-                <a:solidFill>
-                  <a:srgbClr val="0070C0"/>
-                </a:solidFill>
-              </a:rPr>
-              <a:t>todo</a:t>
-            </a:r>
-            <a:r>
-              <a:rPr lang="en-US" sz="2800" b="1" dirty="0">
-                <a:solidFill>
-                  <a:srgbClr val="0070C0"/>
-                </a:solidFill>
-              </a:rPr>
-              <a:t>-app</a:t>
-            </a:r>
-            <a:r>
-              <a:rPr lang="ru-RU" sz="2800" b="1" dirty="0"/>
-              <a:t> </a:t>
-            </a:r>
-            <a:endParaRPr lang="uk-UA" sz="2800" b="1" dirty="0"/>
+              <a:t>https://www.vuemastery.com/courses/intro-to-vue-3/intro-to-vue3/</a:t>
+            </a:r>
+            <a:endParaRPr lang="ru-RU" sz="2800" b="1" dirty="0"/>
           </a:p>
         </p:txBody>
       </p:sp>
       <p:pic>
         <p:nvPicPr>
-          <p:cNvPr id="2" name="Рисунок 1"/>
+          <p:cNvPr id="6" name="Рисунок 5"/>
           <p:cNvPicPr>
             <a:picLocks noChangeAspect="1"/>
           </p:cNvPicPr>
           <p:nvPr/>
         </p:nvPicPr>
         <p:blipFill>
-          <a:blip r:embed="rId2"/>
+          <a:blip r:embed="rId3"/>
           <a:stretch>
             <a:fillRect/>
           </a:stretch>
         </p:blipFill>
         <p:spPr>
           <a:xfrm>
-            <a:off x="0" y="1844824"/>
-            <a:ext cx="12194790" cy="3216851"/>
+            <a:off x="2183903" y="1435717"/>
+            <a:ext cx="7824192" cy="4153523"/>
           </a:xfrm>
           <a:prstGeom prst="rect">
             <a:avLst/>
           </a:prstGeom>
           <a:ln>
-            <a:noFill/>
+            <a:solidFill>
+              <a:schemeClr val="bg1">
+                <a:lumMod val="85000"/>
+              </a:schemeClr>
+            </a:solidFill>
           </a:ln>
           <a:effectLst>
             <a:outerShdw blurRad="190500" algn="tl" rotWithShape="0">
@@ -6305,7 +5953,7 @@
     </p:spTree>
     <p:extLst>
       <p:ext uri="{BB962C8B-B14F-4D97-AF65-F5344CB8AC3E}">
-        <p14:creationId xmlns:p14="http://schemas.microsoft.com/office/powerpoint/2010/main" val="1403619253"/>
+        <p14:creationId xmlns:p14="http://schemas.microsoft.com/office/powerpoint/2010/main" val="430255524"/>
       </p:ext>
     </p:extLst>
   </p:cSld>
